--- a/dapr3_lectures/dapr3_fa_lec/img_sandbox/terminology.pptx
+++ b/dapr3_lectures/dapr3_fa_lec/img_sandbox/terminology.pptx
@@ -5,7 +5,7 @@
     <p:sldMasterId id="2147483648" r:id="rId1"/>
   </p:sldMasterIdLst>
   <p:sldIdLst>
-    <p:sldId id="256" r:id="rId2"/>
+    <p:sldId id="258" r:id="rId2"/>
     <p:sldId id="257" r:id="rId3"/>
   </p:sldIdLst>
   <p:sldSz cx="12192000" cy="6858000"/>
@@ -105,6 +105,11 @@
       </a:defRPr>
     </a:lvl9pPr>
   </p:defaultTextStyle>
+  <p:extLst>
+    <p:ext uri="{EFAFB233-063F-42B5-8137-9DF3F51BA10A}">
+      <p15:sldGuideLst xmlns:p15="http://schemas.microsoft.com/office/powerpoint/2012/main"/>
+    </p:ext>
+  </p:extLst>
 </p:presentation>
 </file>
 
@@ -3358,7 +3363,7 @@
         <p:spPr>
           <a:xfrm>
             <a:off x="101600" y="104213"/>
-            <a:ext cx="5511800" cy="1384995"/>
+            <a:ext cx="5511800" cy="1815882"/>
           </a:xfrm>
           <a:prstGeom prst="rect">
             <a:avLst/>
@@ -3399,58 +3404,6 @@
               <a:latin typeface="Goudy Old Style" panose="02020502050305020303" pitchFamily="18" charset="0"/>
             </a:endParaRPr>
           </a:p>
-        </p:txBody>
-      </p:sp>
-      <p:sp>
-        <p:nvSpPr>
-          <p:cNvPr id="6" name="TextBox 5">
-            <a:extLst>
-              <a:ext uri="{FF2B5EF4-FFF2-40B4-BE49-F238E27FC236}">
-                <a16:creationId xmlns:a16="http://schemas.microsoft.com/office/drawing/2014/main" id="{E0FAD0D8-43F1-44FB-A010-E5EC92C70B0E}"/>
-              </a:ext>
-            </a:extLst>
-          </p:cNvPr>
-          <p:cNvSpPr txBox="1"/>
-          <p:nvPr/>
-        </p:nvSpPr>
-        <p:spPr>
-          <a:xfrm>
-            <a:off x="5833532" y="104213"/>
-            <a:ext cx="6256867" cy="1815882"/>
-          </a:xfrm>
-          <a:prstGeom prst="rect">
-            <a:avLst/>
-          </a:prstGeom>
-          <a:noFill/>
-          <a:ln>
-            <a:solidFill>
-              <a:schemeClr val="tx1"/>
-            </a:solidFill>
-          </a:ln>
-        </p:spPr>
-        <p:txBody>
-          <a:bodyPr wrap="square">
-            <a:spAutoFit/>
-          </a:bodyPr>
-          <a:lstStyle/>
-          <a:p>
-            <a:r>
-              <a:rPr lang="en-GB" sz="2800" b="1" dirty="0">
-                <a:effectLst/>
-                <a:latin typeface="Goudy Old Style" panose="02020502050305020303" pitchFamily="18" charset="0"/>
-              </a:rPr>
-              <a:t>things that capture a single (often, but not necessarily, unidimensional) construct</a:t>
-            </a:r>
-            <a:endParaRPr lang="en-GB" sz="2800" b="0" dirty="0">
-              <a:effectLst/>
-              <a:latin typeface="Goudy Old Style" panose="02020502050305020303" pitchFamily="18" charset="0"/>
-            </a:endParaRPr>
-          </a:p>
-          <a:p>
-            <a:endParaRPr lang="en-GB" sz="2800" i="1" dirty="0">
-              <a:latin typeface="Goudy Old Style" panose="02020502050305020303" pitchFamily="18" charset="0"/>
-            </a:endParaRPr>
-          </a:p>
           <a:p>
             <a:endParaRPr lang="en-GB" sz="2800" b="0" i="1" dirty="0">
               <a:effectLst/>
@@ -3473,7 +3426,7 @@
         </p:nvSpPr>
         <p:spPr>
           <a:xfrm>
-            <a:off x="101600" y="1564437"/>
+            <a:off x="6155267" y="119250"/>
             <a:ext cx="5630333" cy="2246769"/>
           </a:xfrm>
           <a:prstGeom prst="rect">
@@ -3505,16 +3458,17 @@
             </a:endParaRPr>
           </a:p>
           <a:p>
-            <a:endParaRPr lang="en-GB" sz="2800" i="1" dirty="0">
-              <a:latin typeface="Goudy Old Style" panose="02020502050305020303" pitchFamily="18" charset="0"/>
-            </a:endParaRPr>
-          </a:p>
-          <a:p>
             <a:endParaRPr lang="en-GB" sz="2800" b="0" i="1" dirty="0">
               <a:effectLst/>
               <a:latin typeface="Goudy Old Style" panose="02020502050305020303" pitchFamily="18" charset="0"/>
             </a:endParaRPr>
           </a:p>
+          <a:p>
+            <a:endParaRPr lang="en-GB" sz="2800" b="0" i="1" dirty="0">
+              <a:effectLst/>
+              <a:latin typeface="Goudy Old Style" panose="02020502050305020303" pitchFamily="18" charset="0"/>
+            </a:endParaRPr>
+          </a:p>
         </p:txBody>
       </p:sp>
       <p:sp>
@@ -3531,8 +3485,8 @@
         </p:nvSpPr>
         <p:spPr>
           <a:xfrm>
-            <a:off x="5833532" y="1995324"/>
-            <a:ext cx="6096000" cy="1384995"/>
+            <a:off x="101600" y="2279067"/>
+            <a:ext cx="5630333" cy="1815882"/>
           </a:xfrm>
           <a:prstGeom prst="rect">
             <a:avLst/>
@@ -3563,10 +3517,17 @@
             </a:endParaRPr>
           </a:p>
           <a:p>
-            <a:endParaRPr lang="en-GB" sz="2800" i="1" dirty="0">
+            <a:endParaRPr lang="en-GB" sz="2800" b="0" i="1" dirty="0">
+              <a:effectLst/>
               <a:latin typeface="Goudy Old Style" panose="02020502050305020303" pitchFamily="18" charset="0"/>
             </a:endParaRPr>
           </a:p>
+          <a:p>
+            <a:endParaRPr lang="en-GB" sz="2800" b="0" i="1" dirty="0">
+              <a:effectLst/>
+              <a:latin typeface="Goudy Old Style" panose="02020502050305020303" pitchFamily="18" charset="0"/>
+            </a:endParaRPr>
+          </a:p>
         </p:txBody>
       </p:sp>
       <p:sp>
@@ -3583,7 +3544,7 @@
         </p:nvSpPr>
         <p:spPr>
           <a:xfrm>
-            <a:off x="101600" y="3886435"/>
+            <a:off x="6155266" y="2540677"/>
             <a:ext cx="5630333" cy="2246769"/>
           </a:xfrm>
           <a:prstGeom prst="rect">
@@ -3607,7 +3568,20 @@
                 <a:effectLst/>
                 <a:latin typeface="Goudy Old Style" panose="02020502050305020303" pitchFamily="18" charset="0"/>
               </a:rPr>
-              <a:t>ways in which each participant inputs on each individual thing are translated to numbers</a:t>
+              <a:t>ways in which each participant input on each individual thing </a:t>
+            </a:r>
+            <a:r>
+              <a:rPr lang="en-GB" sz="2800" b="1" dirty="0">
+                <a:latin typeface="Goudy Old Style" panose="02020502050305020303" pitchFamily="18" charset="0"/>
+              </a:rPr>
+              <a:t>is</a:t>
+            </a:r>
+            <a:r>
+              <a:rPr lang="en-GB" sz="2800" b="1" dirty="0">
+                <a:effectLst/>
+                <a:latin typeface="Goudy Old Style" panose="02020502050305020303" pitchFamily="18" charset="0"/>
+              </a:rPr>
+              <a:t> translated to numbers</a:t>
             </a:r>
             <a:endParaRPr lang="en-GB" sz="2800" b="0" dirty="0">
               <a:effectLst/>
@@ -3615,16 +3589,17 @@
             </a:endParaRPr>
           </a:p>
           <a:p>
-            <a:endParaRPr lang="en-GB" sz="2800" i="1" dirty="0">
-              <a:latin typeface="Goudy Old Style" panose="02020502050305020303" pitchFamily="18" charset="0"/>
-            </a:endParaRPr>
-          </a:p>
-          <a:p>
             <a:endParaRPr lang="en-GB" sz="2800" b="0" i="1" dirty="0">
               <a:effectLst/>
               <a:latin typeface="Goudy Old Style" panose="02020502050305020303" pitchFamily="18" charset="0"/>
             </a:endParaRPr>
           </a:p>
+          <a:p>
+            <a:endParaRPr lang="en-GB" sz="2800" b="0" i="1" dirty="0">
+              <a:effectLst/>
+              <a:latin typeface="Goudy Old Style" panose="02020502050305020303" pitchFamily="18" charset="0"/>
+            </a:endParaRPr>
+          </a:p>
         </p:txBody>
       </p:sp>
       <p:sp>
@@ -3641,8 +3616,8 @@
         </p:nvSpPr>
         <p:spPr>
           <a:xfrm>
-            <a:off x="5833532" y="3486384"/>
-            <a:ext cx="6070601" cy="1384995"/>
+            <a:off x="84665" y="4310392"/>
+            <a:ext cx="5630333" cy="954107"/>
           </a:xfrm>
           <a:prstGeom prst="rect">
             <a:avLst/>
@@ -3673,11 +3648,6 @@
             </a:endParaRPr>
           </a:p>
           <a:p>
-            <a:endParaRPr lang="en-GB" sz="2800" i="1" dirty="0">
-              <a:latin typeface="Goudy Old Style" panose="02020502050305020303" pitchFamily="18" charset="0"/>
-            </a:endParaRPr>
-          </a:p>
-          <a:p>
             <a:endParaRPr lang="en-GB" sz="2800" b="0" i="1" dirty="0">
               <a:effectLst/>
               <a:latin typeface="Goudy Old Style" panose="02020502050305020303" pitchFamily="18" charset="0"/>
@@ -3687,10 +3657,10 @@
       </p:sp>
       <p:sp>
         <p:nvSpPr>
-          <p:cNvPr id="12" name="TextBox 11">
-            <a:extLst>
-              <a:ext uri="{FF2B5EF4-FFF2-40B4-BE49-F238E27FC236}">
-                <a16:creationId xmlns:a16="http://schemas.microsoft.com/office/drawing/2014/main" id="{30AC0F98-04C4-4E7B-8AB7-4E83630E5633}"/>
+          <p:cNvPr id="11" name="TextBox 10">
+            <a:extLst>
+              <a:ext uri="{FF2B5EF4-FFF2-40B4-BE49-F238E27FC236}">
+                <a16:creationId xmlns:a16="http://schemas.microsoft.com/office/drawing/2014/main" id="{66AA3323-E155-4B66-ACA5-2A4D31E8E430}"/>
               </a:ext>
             </a:extLst>
           </p:cNvPr>
@@ -3699,8 +3669,8 @@
         </p:nvSpPr>
         <p:spPr>
           <a:xfrm>
-            <a:off x="5833531" y="5009819"/>
-            <a:ext cx="6070601" cy="1569660"/>
+            <a:off x="270933" y="5433776"/>
+            <a:ext cx="11582400" cy="830997"/>
           </a:xfrm>
           <a:prstGeom prst="rect">
             <a:avLst/>
@@ -3765,7 +3735,7 @@
     </p:spTree>
     <p:extLst>
       <p:ext uri="{BB962C8B-B14F-4D97-AF65-F5344CB8AC3E}">
-        <p14:creationId xmlns:p14="http://schemas.microsoft.com/office/powerpoint/2010/main" val="2280788316"/>
+        <p14:creationId xmlns:p14="http://schemas.microsoft.com/office/powerpoint/2010/main" val="1420433778"/>
       </p:ext>
     </p:extLst>
   </p:cSld>
@@ -3807,7 +3777,7 @@
         <p:spPr>
           <a:xfrm>
             <a:off x="101600" y="104213"/>
-            <a:ext cx="5511800" cy="1384995"/>
+            <a:ext cx="5511800" cy="1815882"/>
           </a:xfrm>
           <a:prstGeom prst="rect">
             <a:avLst/>
@@ -3846,66 +3816,12 @@
               <a:t>survey, questionnaire, battery, instrument, test, protocol</a:t>
             </a:r>
           </a:p>
-        </p:txBody>
-      </p:sp>
-      <p:sp>
-        <p:nvSpPr>
-          <p:cNvPr id="6" name="TextBox 5">
-            <a:extLst>
-              <a:ext uri="{FF2B5EF4-FFF2-40B4-BE49-F238E27FC236}">
-                <a16:creationId xmlns:a16="http://schemas.microsoft.com/office/drawing/2014/main" id="{E0FAD0D8-43F1-44FB-A010-E5EC92C70B0E}"/>
-              </a:ext>
-            </a:extLst>
-          </p:cNvPr>
-          <p:cNvSpPr txBox="1"/>
-          <p:nvPr/>
-        </p:nvSpPr>
-        <p:spPr>
-          <a:xfrm>
-            <a:off x="5833532" y="104213"/>
-            <a:ext cx="6256867" cy="1815882"/>
-          </a:xfrm>
-          <a:prstGeom prst="rect">
-            <a:avLst/>
-          </a:prstGeom>
-          <a:noFill/>
-          <a:ln>
-            <a:solidFill>
-              <a:schemeClr val="tx1"/>
-            </a:solidFill>
-          </a:ln>
-        </p:spPr>
-        <p:txBody>
-          <a:bodyPr wrap="square">
-            <a:spAutoFit/>
-          </a:bodyPr>
-          <a:lstStyle/>
-          <a:p>
-            <a:r>
-              <a:rPr lang="en-GB" sz="2800" b="1" dirty="0">
-                <a:effectLst/>
-                <a:latin typeface="Goudy Old Style" panose="02020502050305020303" pitchFamily="18" charset="0"/>
-              </a:rPr>
-              <a:t>things that capture a single (often, but not necessarily, unidimensional) construct</a:t>
-            </a:r>
-            <a:endParaRPr lang="en-GB" sz="2800" b="0" dirty="0">
+          <a:p>
+            <a:endParaRPr lang="en-GB" sz="2800" b="0" i="1" dirty="0">
               <a:effectLst/>
               <a:latin typeface="Goudy Old Style" panose="02020502050305020303" pitchFamily="18" charset="0"/>
             </a:endParaRPr>
           </a:p>
-          <a:p>
-            <a:r>
-              <a:rPr lang="en-GB" sz="2800" b="0" i="1" dirty="0">
-                <a:effectLst/>
-                <a:latin typeface="Goudy Old Style" panose="02020502050305020303" pitchFamily="18" charset="0"/>
-              </a:rPr>
-              <a:t>scale, subscale, multi-item measure, measure, test, instrument</a:t>
-            </a:r>
-            <a:endParaRPr lang="en-GB" sz="2800" b="0" dirty="0">
-              <a:effectLst/>
-              <a:latin typeface="Goudy Old Style" panose="02020502050305020303" pitchFamily="18" charset="0"/>
-            </a:endParaRPr>
-          </a:p>
         </p:txBody>
       </p:sp>
       <p:sp>
@@ -3922,7 +3838,7 @@
         </p:nvSpPr>
         <p:spPr>
           <a:xfrm>
-            <a:off x="101600" y="1564437"/>
+            <a:off x="6155267" y="119250"/>
             <a:ext cx="5630333" cy="2246769"/>
           </a:xfrm>
           <a:prstGeom prst="rect">
@@ -3982,8 +3898,8 @@
         </p:nvSpPr>
         <p:spPr>
           <a:xfrm>
-            <a:off x="5833532" y="1995324"/>
-            <a:ext cx="6096000" cy="1384995"/>
+            <a:off x="101600" y="2279067"/>
+            <a:ext cx="5630333" cy="1815882"/>
           </a:xfrm>
           <a:prstGeom prst="rect">
             <a:avLst/>
@@ -4021,6 +3937,8 @@
               </a:rPr>
               <a:t>item, question, statement, prompt, measure</a:t>
             </a:r>
+          </a:p>
+          <a:p>
             <a:endParaRPr lang="en-GB" sz="2800" b="0" dirty="0">
               <a:effectLst/>
               <a:latin typeface="Goudy Old Style" panose="02020502050305020303" pitchFamily="18" charset="0"/>
@@ -4042,7 +3960,7 @@
         </p:nvSpPr>
         <p:spPr>
           <a:xfrm>
-            <a:off x="101600" y="3886435"/>
+            <a:off x="6155266" y="2540677"/>
             <a:ext cx="5630333" cy="2246769"/>
           </a:xfrm>
           <a:prstGeom prst="rect">
@@ -4066,7 +3984,20 @@
                 <a:effectLst/>
                 <a:latin typeface="Goudy Old Style" panose="02020502050305020303" pitchFamily="18" charset="0"/>
               </a:rPr>
-              <a:t>ways in which each participant inputs on each individual thing are translated to numbers</a:t>
+              <a:t>ways in which each participant input on each individual thing </a:t>
+            </a:r>
+            <a:r>
+              <a:rPr lang="en-GB" sz="2800" b="1" dirty="0">
+                <a:latin typeface="Goudy Old Style" panose="02020502050305020303" pitchFamily="18" charset="0"/>
+              </a:rPr>
+              <a:t>is</a:t>
+            </a:r>
+            <a:r>
+              <a:rPr lang="en-GB" sz="2800" b="1" dirty="0">
+                <a:effectLst/>
+                <a:latin typeface="Goudy Old Style" panose="02020502050305020303" pitchFamily="18" charset="0"/>
+              </a:rPr>
+              <a:t> translated to numbers</a:t>
             </a:r>
             <a:endParaRPr lang="en-GB" sz="2800" b="0" dirty="0">
               <a:effectLst/>
@@ -4116,8 +4047,8 @@
         </p:nvSpPr>
         <p:spPr>
           <a:xfrm>
-            <a:off x="5833532" y="3486384"/>
-            <a:ext cx="6070601" cy="954107"/>
+            <a:off x="84665" y="4310392"/>
+            <a:ext cx="5630333" cy="954107"/>
           </a:xfrm>
           <a:prstGeom prst="rect">
             <a:avLst/>
